--- a/Alg sketch.pptx
+++ b/Alg sketch.pptx
@@ -9,10 +9,9 @@
     <p:sldId id="257" r:id="rId3"/>
     <p:sldId id="258" r:id="rId4"/>
     <p:sldId id="259" r:id="rId5"/>
-    <p:sldId id="263" r:id="rId6"/>
-    <p:sldId id="264" r:id="rId7"/>
-    <p:sldId id="260" r:id="rId8"/>
-    <p:sldId id="262" r:id="rId9"/>
+    <p:sldId id="264" r:id="rId6"/>
+    <p:sldId id="260" r:id="rId7"/>
+    <p:sldId id="262" r:id="rId8"/>
   </p:sldIdLst>
   <p:sldSz cx="12192000" cy="6858000"/>
   <p:notesSz cx="6858000" cy="9144000"/>
@@ -268,7 +267,7 @@
           <a:p>
             <a:fld id="{981F079F-A5D5-7041-BF07-3AA0F3B7D11B}" type="datetimeFigureOut">
               <a:rPr lang="en-KR" smtClean="0"/>
-              <a:t>2023/03/09</a:t>
+              <a:t>2023/03/18</a:t>
             </a:fld>
             <a:endParaRPr lang="en-KR"/>
           </a:p>
@@ -468,7 +467,7 @@
           <a:p>
             <a:fld id="{981F079F-A5D5-7041-BF07-3AA0F3B7D11B}" type="datetimeFigureOut">
               <a:rPr lang="en-KR" smtClean="0"/>
-              <a:t>2023/03/09</a:t>
+              <a:t>2023/03/18</a:t>
             </a:fld>
             <a:endParaRPr lang="en-KR"/>
           </a:p>
@@ -678,7 +677,7 @@
           <a:p>
             <a:fld id="{981F079F-A5D5-7041-BF07-3AA0F3B7D11B}" type="datetimeFigureOut">
               <a:rPr lang="en-KR" smtClean="0"/>
-              <a:t>2023/03/09</a:t>
+              <a:t>2023/03/18</a:t>
             </a:fld>
             <a:endParaRPr lang="en-KR"/>
           </a:p>
@@ -878,7 +877,7 @@
           <a:p>
             <a:fld id="{981F079F-A5D5-7041-BF07-3AA0F3B7D11B}" type="datetimeFigureOut">
               <a:rPr lang="en-KR" smtClean="0"/>
-              <a:t>2023/03/09</a:t>
+              <a:t>2023/03/18</a:t>
             </a:fld>
             <a:endParaRPr lang="en-KR"/>
           </a:p>
@@ -1154,7 +1153,7 @@
           <a:p>
             <a:fld id="{981F079F-A5D5-7041-BF07-3AA0F3B7D11B}" type="datetimeFigureOut">
               <a:rPr lang="en-KR" smtClean="0"/>
-              <a:t>2023/03/09</a:t>
+              <a:t>2023/03/18</a:t>
             </a:fld>
             <a:endParaRPr lang="en-KR"/>
           </a:p>
@@ -1422,7 +1421,7 @@
           <a:p>
             <a:fld id="{981F079F-A5D5-7041-BF07-3AA0F3B7D11B}" type="datetimeFigureOut">
               <a:rPr lang="en-KR" smtClean="0"/>
-              <a:t>2023/03/09</a:t>
+              <a:t>2023/03/18</a:t>
             </a:fld>
             <a:endParaRPr lang="en-KR"/>
           </a:p>
@@ -1837,7 +1836,7 @@
           <a:p>
             <a:fld id="{981F079F-A5D5-7041-BF07-3AA0F3B7D11B}" type="datetimeFigureOut">
               <a:rPr lang="en-KR" smtClean="0"/>
-              <a:t>2023/03/09</a:t>
+              <a:t>2023/03/18</a:t>
             </a:fld>
             <a:endParaRPr lang="en-KR"/>
           </a:p>
@@ -1979,7 +1978,7 @@
           <a:p>
             <a:fld id="{981F079F-A5D5-7041-BF07-3AA0F3B7D11B}" type="datetimeFigureOut">
               <a:rPr lang="en-KR" smtClean="0"/>
-              <a:t>2023/03/09</a:t>
+              <a:t>2023/03/18</a:t>
             </a:fld>
             <a:endParaRPr lang="en-KR"/>
           </a:p>
@@ -2092,7 +2091,7 @@
           <a:p>
             <a:fld id="{981F079F-A5D5-7041-BF07-3AA0F3B7D11B}" type="datetimeFigureOut">
               <a:rPr lang="en-KR" smtClean="0"/>
-              <a:t>2023/03/09</a:t>
+              <a:t>2023/03/18</a:t>
             </a:fld>
             <a:endParaRPr lang="en-KR"/>
           </a:p>
@@ -2405,7 +2404,7 @@
           <a:p>
             <a:fld id="{981F079F-A5D5-7041-BF07-3AA0F3B7D11B}" type="datetimeFigureOut">
               <a:rPr lang="en-KR" smtClean="0"/>
-              <a:t>2023/03/09</a:t>
+              <a:t>2023/03/18</a:t>
             </a:fld>
             <a:endParaRPr lang="en-KR"/>
           </a:p>
@@ -2694,7 +2693,7 @@
           <a:p>
             <a:fld id="{981F079F-A5D5-7041-BF07-3AA0F3B7D11B}" type="datetimeFigureOut">
               <a:rPr lang="en-KR" smtClean="0"/>
-              <a:t>2023/03/09</a:t>
+              <a:t>2023/03/18</a:t>
             </a:fld>
             <a:endParaRPr lang="en-KR"/>
           </a:p>
@@ -2937,7 +2936,7 @@
           <a:p>
             <a:fld id="{981F079F-A5D5-7041-BF07-3AA0F3B7D11B}" type="datetimeFigureOut">
               <a:rPr lang="en-KR" smtClean="0"/>
-              <a:t>2023/03/09</a:t>
+              <a:t>2023/03/18</a:t>
             </a:fld>
             <a:endParaRPr lang="en-KR"/>
           </a:p>
@@ -6900,7 +6899,7 @@
           <p:cNvPr id="2" name="Title 1">
             <a:extLst>
               <a:ext uri="{FF2B5EF4-FFF2-40B4-BE49-F238E27FC236}">
-                <a16:creationId xmlns:a16="http://schemas.microsoft.com/office/drawing/2014/main" id="{978ED90B-57C3-89C1-05A7-7EB0DF674BC3}"/>
+                <a16:creationId xmlns:a16="http://schemas.microsoft.com/office/drawing/2014/main" id="{3F0546D4-29DA-5B60-332C-60F03B82034C}"/>
               </a:ext>
             </a:extLst>
           </p:cNvPr>
@@ -6913,12 +6912,14 @@
         </p:nvSpPr>
         <p:spPr>
           <a:xfrm>
-            <a:off x="838199" y="365125"/>
-            <a:ext cx="11268205" cy="1325563"/>
+            <a:off x="320460" y="246903"/>
+            <a:ext cx="11299521" cy="651028"/>
           </a:xfrm>
         </p:spPr>
         <p:txBody>
-          <a:bodyPr/>
+          <a:bodyPr>
+            <a:normAutofit fontScale="90000"/>
+          </a:bodyPr>
           <a:lstStyle/>
           <a:p>
             <a:r>
@@ -6940,7 +6941,7 @@
           <p:cNvPr id="3" name="Content Placeholder 2">
             <a:extLst>
               <a:ext uri="{FF2B5EF4-FFF2-40B4-BE49-F238E27FC236}">
-                <a16:creationId xmlns:a16="http://schemas.microsoft.com/office/drawing/2014/main" id="{4D04CFBD-6FE8-0B2B-87AD-248A546A79C8}"/>
+                <a16:creationId xmlns:a16="http://schemas.microsoft.com/office/drawing/2014/main" id="{691A499B-E100-8DC1-37C2-8B61D9E72F1A}"/>
               </a:ext>
             </a:extLst>
           </p:cNvPr>
@@ -6951,226 +6952,59 @@
             <p:ph sz="half" idx="1"/>
           </p:nvPr>
         </p:nvSpPr>
-        <p:spPr/>
+        <p:spPr>
+          <a:xfrm>
+            <a:off x="320460" y="1033398"/>
+            <a:ext cx="5699340" cy="5730658"/>
+          </a:xfrm>
+        </p:spPr>
         <p:txBody>
           <a:bodyPr>
-            <a:normAutofit fontScale="55000" lnSpcReduction="20000"/>
+            <a:normAutofit fontScale="85000" lnSpcReduction="20000"/>
           </a:bodyPr>
           <a:lstStyle/>
           <a:p>
             <a:r>
-              <a:rPr lang="en-KR" sz="1000" dirty="0"/>
-              <a:t>Main idea</a:t>
+              <a:rPr lang="en-US" dirty="0"/>
+              <a:t>Approach #1</a:t>
             </a:r>
           </a:p>
           <a:p>
             <a:pPr lvl="1"/>
             <a:r>
-              <a:rPr lang="en-KR" sz="900" dirty="0"/>
-              <a:t>Sliding window </a:t>
+              <a:rPr lang="en-US" dirty="0"/>
+              <a:t>Brute force: Consider to increase one for each element with K add op.</a:t>
             </a:r>
           </a:p>
           <a:p>
             <a:pPr lvl="1"/>
             <a:r>
-              <a:rPr lang="en-KR" sz="900" dirty="0"/>
-              <a:t>Greedy alg: do add operation in window ASAP.</a:t>
-            </a:r>
-          </a:p>
-          <a:p>
-            <a:r>
-              <a:rPr lang="en-KR" sz="1000" dirty="0"/>
-              <a:t>Process</a:t>
+              <a:rPr lang="en-US" dirty="0"/>
+              <a:t>TC: O(L ^ K) &lt;- It makes TLE</a:t>
             </a:r>
           </a:p>
           <a:p>
             <a:pPr lvl="1"/>
             <a:r>
-              <a:rPr lang="en-KR" sz="900" dirty="0"/>
-              <a:t>1. Sort array by ASC.</a:t>
+              <a:rPr lang="en-US" dirty="0"/>
+              <a:t>SC: O(1)</a:t>
             </a:r>
           </a:p>
           <a:p>
             <a:pPr lvl="1"/>
-            <a:r>
-              <a:rPr lang="en-KR" sz="900" dirty="0"/>
-              <a:t>2. Slide window by invalid</a:t>
-            </a:r>
-          </a:p>
-          <a:p>
-            <a:r>
-              <a:rPr lang="en-KR" sz="1000" dirty="0"/>
-              <a:t>Complexity</a:t>
+            <a:endParaRPr lang="en-US" dirty="0"/>
+          </a:p>
+          <a:p>
+            <a:r>
+              <a:rPr lang="en-US" dirty="0"/>
+              <a:t>Approach #2</a:t>
             </a:r>
           </a:p>
           <a:p>
             <a:pPr lvl="1"/>
             <a:r>
-              <a:rPr lang="en-KR" sz="900" dirty="0"/>
-              <a:t>TC: O(N log N)</a:t>
-            </a:r>
-          </a:p>
-          <a:p>
-            <a:pPr lvl="1"/>
-            <a:r>
-              <a:rPr lang="en-KR" sz="900" dirty="0"/>
-              <a:t>SC: O(1) </a:t>
-            </a:r>
-          </a:p>
-        </p:txBody>
-      </p:sp>
-      <p:sp>
-        <p:nvSpPr>
-          <p:cNvPr id="4" name="Content Placeholder 3">
-            <a:extLst>
-              <a:ext uri="{FF2B5EF4-FFF2-40B4-BE49-F238E27FC236}">
-                <a16:creationId xmlns:a16="http://schemas.microsoft.com/office/drawing/2014/main" id="{F21E7E3F-A393-665B-20BC-F043098CE855}"/>
-              </a:ext>
-            </a:extLst>
-          </p:cNvPr>
-          <p:cNvSpPr>
-            <a:spLocks noGrp="1"/>
-          </p:cNvSpPr>
-          <p:nvPr>
-            <p:ph sz="half" idx="2"/>
-          </p:nvPr>
-        </p:nvSpPr>
-        <p:spPr>
-          <a:xfrm>
-            <a:off x="6172200" y="1825625"/>
-            <a:ext cx="5181600" cy="497953"/>
-          </a:xfrm>
-        </p:spPr>
-        <p:txBody>
-          <a:bodyPr>
-            <a:normAutofit fontScale="55000" lnSpcReduction="20000"/>
-          </a:bodyPr>
-          <a:lstStyle/>
-          <a:p>
-            <a:r>
-              <a:rPr lang="en-KR" dirty="0"/>
-              <a:t>Valid condition</a:t>
-            </a:r>
-          </a:p>
-          <a:p>
-            <a:pPr lvl="1"/>
-            <a:r>
-              <a:rPr lang="en-KR" dirty="0"/>
-              <a:t>Sum(indow</a:t>
-            </a:r>
-          </a:p>
-        </p:txBody>
-      </p:sp>
-    </p:spTree>
-    <p:extLst>
-      <p:ext uri="{BB962C8B-B14F-4D97-AF65-F5344CB8AC3E}">
-        <p14:creationId xmlns:p14="http://schemas.microsoft.com/office/powerpoint/2010/main" val="772716667"/>
-      </p:ext>
-    </p:extLst>
-  </p:cSld>
-  <p:clrMapOvr>
-    <a:masterClrMapping/>
-  </p:clrMapOvr>
-</p:sld>
-</file>
-
-<file path=ppt/slides/slide6.xml><?xml version="1.0" encoding="utf-8"?>
-<p:sld xmlns:a="http://schemas.openxmlformats.org/drawingml/2006/main" xmlns:r="http://schemas.openxmlformats.org/officeDocument/2006/relationships" xmlns:p="http://schemas.openxmlformats.org/presentationml/2006/main">
-  <p:cSld>
-    <p:spTree>
-      <p:nvGrpSpPr>
-        <p:cNvPr id="1" name=""/>
-        <p:cNvGrpSpPr/>
-        <p:nvPr/>
-      </p:nvGrpSpPr>
-      <p:grpSpPr>
-        <a:xfrm>
-          <a:off x="0" y="0"/>
-          <a:ext cx="0" cy="0"/>
-          <a:chOff x="0" y="0"/>
-          <a:chExt cx="0" cy="0"/>
-        </a:xfrm>
-      </p:grpSpPr>
-      <p:sp>
-        <p:nvSpPr>
-          <p:cNvPr id="2" name="Title 1">
-            <a:extLst>
-              <a:ext uri="{FF2B5EF4-FFF2-40B4-BE49-F238E27FC236}">
-                <a16:creationId xmlns:a16="http://schemas.microsoft.com/office/drawing/2014/main" id="{3F0546D4-29DA-5B60-332C-60F03B82034C}"/>
-              </a:ext>
-            </a:extLst>
-          </p:cNvPr>
-          <p:cNvSpPr>
-            <a:spLocks noGrp="1"/>
-          </p:cNvSpPr>
-          <p:nvPr>
-            <p:ph type="title"/>
-          </p:nvPr>
-        </p:nvSpPr>
-        <p:spPr>
-          <a:xfrm>
-            <a:off x="838199" y="365125"/>
-            <a:ext cx="11299521" cy="1325563"/>
-          </a:xfrm>
-        </p:spPr>
-        <p:txBody>
-          <a:bodyPr/>
-          <a:lstStyle/>
-          <a:p>
-            <a:r>
-              <a:rPr lang="en-US" b="0" i="0" dirty="0">
-                <a:solidFill>
-                  <a:srgbClr val="262626"/>
-                </a:solidFill>
-                <a:effectLst/>
-                <a:latin typeface="-apple-system"/>
-              </a:rPr>
-              <a:t>1838. Frequency of the Most Frequent Element</a:t>
-            </a:r>
-            <a:endParaRPr lang="en-KR" dirty="0"/>
-          </a:p>
-        </p:txBody>
-      </p:sp>
-      <p:sp>
-        <p:nvSpPr>
-          <p:cNvPr id="3" name="Content Placeholder 2">
-            <a:extLst>
-              <a:ext uri="{FF2B5EF4-FFF2-40B4-BE49-F238E27FC236}">
-                <a16:creationId xmlns:a16="http://schemas.microsoft.com/office/drawing/2014/main" id="{691A499B-E100-8DC1-37C2-8B61D9E72F1A}"/>
-              </a:ext>
-            </a:extLst>
-          </p:cNvPr>
-          <p:cNvSpPr>
-            <a:spLocks noGrp="1"/>
-          </p:cNvSpPr>
-          <p:nvPr>
-            <p:ph sz="half" idx="1"/>
-          </p:nvPr>
-        </p:nvSpPr>
-        <p:spPr/>
-        <p:txBody>
-          <a:bodyPr>
-            <a:normAutofit lnSpcReduction="10000"/>
-          </a:bodyPr>
-          <a:lstStyle/>
-          <a:p>
-            <a:r>
               <a:rPr lang="en-US" dirty="0"/>
-              <a:t>Main idea</a:t>
-            </a:r>
-          </a:p>
-          <a:p>
-            <a:pPr lvl="1"/>
-            <a:r>
-              <a:rPr lang="en-US" dirty="0"/>
-              <a:t>Sliding window </a:t>
-            </a:r>
-          </a:p>
-          <a:p>
-            <a:pPr lvl="1"/>
-            <a:r>
-              <a:rPr lang="en-US" dirty="0"/>
-              <a:t>Greedy </a:t>
+              <a:t>Main idea: Sliding window  &amp;&amp; Greedy </a:t>
             </a:r>
             <a:r>
               <a:rPr lang="en-US" dirty="0" err="1"/>
@@ -7182,13 +7016,14 @@
             </a:r>
           </a:p>
           <a:p>
+            <a:pPr lvl="1"/>
             <a:r>
               <a:rPr lang="en-US" dirty="0"/>
               <a:t>Process</a:t>
             </a:r>
           </a:p>
           <a:p>
-            <a:pPr marL="914400" lvl="1" indent="-457200">
+            <a:pPr marL="1371600" lvl="2" indent="-457200">
               <a:buFont typeface="+mj-lt"/>
               <a:buAutoNum type="arabicPeriod"/>
             </a:pPr>
@@ -7198,44 +7033,126 @@
             </a:r>
           </a:p>
           <a:p>
-            <a:pPr marL="914400" lvl="1" indent="-457200">
+            <a:pPr marL="1371600" lvl="2" indent="-457200">
               <a:buFont typeface="+mj-lt"/>
               <a:buAutoNum type="arabicPeriod"/>
             </a:pPr>
             <a:r>
               <a:rPr lang="en-US" dirty="0"/>
-              <a:t>Slide window by valid condition.</a:t>
-            </a:r>
-          </a:p>
-          <a:p>
-            <a:pPr marL="914400" lvl="2" indent="0">
+              <a:t>Slide window with valid condition.</a:t>
+            </a:r>
+          </a:p>
+          <a:p>
+            <a:pPr marL="1371600" lvl="3" indent="0">
               <a:buNone/>
             </a:pPr>
             <a:r>
               <a:rPr lang="en-US" dirty="0"/>
-              <a:t>Sum(window) + K &gt;= max * </a:t>
+              <a:t>Extend when</a:t>
+            </a:r>
+          </a:p>
+          <a:p>
+            <a:pPr marL="1371600" lvl="3" indent="0">
+              <a:buNone/>
+            </a:pPr>
+            <a:r>
+              <a:rPr lang="en-US" dirty="0"/>
+              <a:t>	</a:t>
+            </a:r>
+            <a:r>
+              <a:rPr lang="en-US" dirty="0">
+                <a:solidFill>
+                  <a:srgbClr val="FF0000"/>
+                </a:solidFill>
+              </a:rPr>
+              <a:t>Sum(window) + K &gt;= max value in win * win </a:t>
+            </a:r>
+            <a:r>
+              <a:rPr lang="en-US" dirty="0" err="1">
+                <a:solidFill>
+                  <a:srgbClr val="FF0000"/>
+                </a:solidFill>
+              </a:rPr>
+              <a:t>len</a:t>
+            </a:r>
+            <a:endParaRPr lang="en-US" dirty="0">
+              <a:solidFill>
+                <a:srgbClr val="FF0000"/>
+              </a:solidFill>
+            </a:endParaRPr>
+          </a:p>
+          <a:p>
+            <a:pPr marL="1371600" lvl="3" indent="0">
+              <a:buNone/>
+            </a:pPr>
+            <a:r>
+              <a:rPr lang="en-US" dirty="0"/>
+              <a:t>Else shrink left</a:t>
+            </a:r>
+          </a:p>
+          <a:p>
+            <a:pPr marL="1371600" lvl="3" indent="0">
+              <a:buNone/>
+            </a:pPr>
+            <a:r>
+              <a:rPr lang="en-US" dirty="0">
+                <a:solidFill>
+                  <a:srgbClr val="FF0000"/>
+                </a:solidFill>
+              </a:rPr>
+              <a:t>That means  that same values exist in that window. And same value is max value. Frequency is win </a:t>
+            </a:r>
+            <a:r>
+              <a:rPr lang="en-US" dirty="0" err="1">
+                <a:solidFill>
+                  <a:srgbClr val="FF0000"/>
+                </a:solidFill>
+              </a:rPr>
+              <a:t>len</a:t>
+            </a:r>
+            <a:r>
+              <a:rPr lang="en-US" dirty="0">
+                <a:solidFill>
+                  <a:srgbClr val="FF0000"/>
+                </a:solidFill>
+              </a:rPr>
+              <a:t>.</a:t>
+            </a:r>
+          </a:p>
+          <a:p>
+            <a:pPr marL="1371600" lvl="2" indent="-457200">
+              <a:buFont typeface="+mj-lt"/>
+              <a:buAutoNum type="arabicPeriod"/>
+            </a:pPr>
+            <a:r>
+              <a:rPr lang="en-US" dirty="0"/>
+              <a:t>Keep max win </a:t>
             </a:r>
             <a:r>
               <a:rPr lang="en-US" dirty="0" err="1"/>
               <a:t>len</a:t>
             </a:r>
-            <a:endParaRPr lang="en-US" dirty="0"/>
-          </a:p>
-          <a:p>
+            <a:r>
+              <a:rPr lang="en-US" dirty="0"/>
+              <a:t>.</a:t>
+            </a:r>
+          </a:p>
+          <a:p>
+            <a:pPr lvl="1"/>
             <a:r>
               <a:rPr lang="en-US" dirty="0"/>
               <a:t>Complexity</a:t>
             </a:r>
           </a:p>
           <a:p>
-            <a:pPr lvl="1"/>
+            <a:pPr lvl="2"/>
             <a:r>
               <a:rPr lang="en-US" dirty="0"/>
               <a:t>TC: O(N log N)</a:t>
             </a:r>
           </a:p>
           <a:p>
-            <a:pPr lvl="1"/>
+            <a:pPr lvl="2"/>
             <a:r>
               <a:rPr lang="en-US" dirty="0"/>
               <a:t>SC: O(1) </a:t>
@@ -7262,13 +7179,13 @@
             <p:ph sz="half" idx="2"/>
             <p:extLst>
               <p:ext uri="{D42A27DB-BD31-4B8C-83A1-F6EECF244321}">
-                <p14:modId xmlns:p14="http://schemas.microsoft.com/office/powerpoint/2010/main" val="2144465349"/>
+                <p14:modId xmlns:p14="http://schemas.microsoft.com/office/powerpoint/2010/main" val="3644333335"/>
               </p:ext>
             </p:extLst>
           </p:nvPr>
         </p:nvGraphicFramePr>
         <p:xfrm>
-          <a:off x="6313118" y="3565820"/>
+          <a:off x="6313118" y="2776682"/>
           <a:ext cx="5181603" cy="3097338"/>
         </p:xfrm>
         <a:graphic>
@@ -7985,13 +7902,13 @@
           <p:nvPr>
             <p:extLst>
               <p:ext uri="{D42A27DB-BD31-4B8C-83A1-F6EECF244321}">
-                <p14:modId xmlns:p14="http://schemas.microsoft.com/office/powerpoint/2010/main" val="197811299"/>
+                <p14:modId xmlns:p14="http://schemas.microsoft.com/office/powerpoint/2010/main" val="1313101826"/>
               </p:ext>
             </p:extLst>
           </p:nvPr>
         </p:nvGraphicFramePr>
         <p:xfrm>
-          <a:off x="6285979" y="2351718"/>
+          <a:off x="6285979" y="1562580"/>
           <a:ext cx="5699340" cy="854946"/>
         </p:xfrm>
         <a:graphic>
@@ -8201,7 +8118,7 @@
         </p:nvSpPr>
         <p:spPr>
           <a:xfrm>
-            <a:off x="5878883" y="1825625"/>
+            <a:off x="5878883" y="1036487"/>
             <a:ext cx="5181600" cy="4351338"/>
           </a:xfrm>
           <a:prstGeom prst="rect">
@@ -8400,7 +8317,7 @@
 </p:sld>
 </file>
 
-<file path=ppt/slides/slide7.xml><?xml version="1.0" encoding="utf-8"?>
+<file path=ppt/slides/slide6.xml><?xml version="1.0" encoding="utf-8"?>
 <p:sld xmlns:a="http://schemas.openxmlformats.org/drawingml/2006/main" xmlns:r="http://schemas.openxmlformats.org/officeDocument/2006/relationships" xmlns:p="http://schemas.openxmlformats.org/presentationml/2006/main">
   <p:cSld>
     <p:spTree>
@@ -8890,7 +8807,7 @@
 </p:sld>
 </file>
 
-<file path=ppt/slides/slide8.xml><?xml version="1.0" encoding="utf-8"?>
+<file path=ppt/slides/slide7.xml><?xml version="1.0" encoding="utf-8"?>
 <p:sld xmlns:a="http://schemas.openxmlformats.org/drawingml/2006/main" xmlns:r="http://schemas.openxmlformats.org/officeDocument/2006/relationships" xmlns:p="http://schemas.openxmlformats.org/presentationml/2006/main">
   <p:cSld>
     <p:spTree>
